--- a/2024answer/answer.pptx
+++ b/2024answer/answer.pptx
@@ -3620,8 +3620,8 @@
           <a:lstStyle/>
           <a:p>
             <a:r>
-              <a:rPr lang="ja-JP" altLang="en-US" dirty="0"/>
-              <a:t>融合学域クイズ</a:t>
+              <a:rPr lang="ja-JP" altLang="en-US"/>
+              <a:t>いいい</a:t>
             </a:r>
             <a:endParaRPr kumimoji="1" lang="ja-JP" altLang="en-US" dirty="0"/>
           </a:p>

--- a/2024answer/answer.pptx
+++ b/2024answer/answer.pptx
@@ -3621,7 +3621,7 @@
           <a:p>
             <a:r>
               <a:rPr lang="ja-JP" altLang="en-US"/>
-              <a:t>いいい</a:t>
+              <a:t>いいいいいい</a:t>
             </a:r>
             <a:endParaRPr kumimoji="1" lang="ja-JP" altLang="en-US" dirty="0"/>
           </a:p>

--- a/2024answer/answer.pptx
+++ b/2024answer/answer.pptx
@@ -3620,8 +3620,8 @@
           <a:lstStyle/>
           <a:p>
             <a:r>
-              <a:rPr lang="ja-JP" altLang="en-US"/>
-              <a:t>いいいいいい</a:t>
+              <a:rPr lang="ja-JP" altLang="en-US" dirty="0"/>
+              <a:t>いいいい</a:t>
             </a:r>
             <a:endParaRPr kumimoji="1" lang="ja-JP" altLang="en-US" dirty="0"/>
           </a:p>
@@ -3656,9 +3656,10 @@
           <a:lstStyle/>
           <a:p>
             <a:r>
-              <a:rPr kumimoji="1" lang="ja-JP" altLang="en-US" sz="2600" dirty="0"/>
-              <a:t>融合学域パーティーにご参加いただきありがとうございます！</a:t>
-            </a:r>
+              <a:rPr kumimoji="1" lang="ja-JP" altLang="en-US" sz="2600"/>
+              <a:t>Ｊｊｊｊ</a:t>
+            </a:r>
+            <a:endParaRPr kumimoji="1" lang="ja-JP" altLang="en-US" sz="2600" dirty="0"/>
           </a:p>
         </p:txBody>
       </p:sp>

--- a/2024answer/answer.pptx
+++ b/2024answer/answer.pptx
@@ -3651,13 +3651,24 @@
         </p:spPr>
         <p:txBody>
           <a:bodyPr>
-            <a:normAutofit/>
+            <a:normAutofit lnSpcReduction="10000"/>
           </a:bodyPr>
           <a:lstStyle/>
           <a:p>
             <a:r>
+              <a:rPr kumimoji="1" lang="ja-JP" altLang="en-US" sz="2600" dirty="0"/>
+              <a:t>Ｊ </a:t>
+            </a:r>
+            <a:r>
+              <a:rPr kumimoji="1" lang="en-US" altLang="ja-JP" sz="2600" dirty="0" err="1"/>
+              <a:t>haiervu</a:t>
+            </a:r>
+            <a:endParaRPr kumimoji="1" lang="en-US" altLang="ja-JP" sz="2600"/>
+          </a:p>
+          <a:p>
+            <a:r>
               <a:rPr kumimoji="1" lang="ja-JP" altLang="en-US" sz="2600"/>
-              <a:t>Ｊｊｊｊ</a:t>
+              <a:t>ｊｊｊ</a:t>
             </a:r>
             <a:endParaRPr kumimoji="1" lang="ja-JP" altLang="en-US" sz="2600" dirty="0"/>
           </a:p>
@@ -5105,6 +5116,52 @@
                                           <p:spTgt spid="3">
                                             <p:txEl>
                                               <p:pRg st="0" end="0"/>
+                                            </p:txEl>
+                                          </p:spTgt>
+                                        </p:tgtEl>
+                                      </p:cBhvr>
+                                    </p:animEffect>
+                                  </p:childTnLst>
+                                </p:cTn>
+                              </p:par>
+                              <p:par>
+                                <p:cTn id="11" presetID="10" presetClass="entr" presetSubtype="0" fill="hold" grpId="0" nodeType="withEffect">
+                                  <p:stCondLst>
+                                    <p:cond delay="2000"/>
+                                  </p:stCondLst>
+                                  <p:iterate type="lt">
+                                    <p:tmPct val="10000"/>
+                                  </p:iterate>
+                                  <p:childTnLst>
+                                    <p:set>
+                                      <p:cBhvr>
+                                        <p:cTn id="12" dur="1" fill="hold">
+                                          <p:stCondLst>
+                                            <p:cond delay="0"/>
+                                          </p:stCondLst>
+                                        </p:cTn>
+                                        <p:tgtEl>
+                                          <p:spTgt spid="3">
+                                            <p:txEl>
+                                              <p:pRg st="1" end="1"/>
+                                            </p:txEl>
+                                          </p:spTgt>
+                                        </p:tgtEl>
+                                        <p:attrNameLst>
+                                          <p:attrName>style.visibility</p:attrName>
+                                        </p:attrNameLst>
+                                      </p:cBhvr>
+                                      <p:to>
+                                        <p:strVal val="visible"/>
+                                      </p:to>
+                                    </p:set>
+                                    <p:animEffect transition="in" filter="fade">
+                                      <p:cBhvr>
+                                        <p:cTn id="13" dur="400"/>
+                                        <p:tgtEl>
+                                          <p:spTgt spid="3">
+                                            <p:txEl>
+                                              <p:pRg st="1" end="1"/>
                                             </p:txEl>
                                           </p:spTgt>
                                         </p:tgtEl>

--- a/2024answer/answer.pptx
+++ b/2024answer/answer.pptx
@@ -3620,8 +3620,8 @@
           <a:lstStyle/>
           <a:p>
             <a:r>
-              <a:rPr lang="ja-JP" altLang="en-US" dirty="0"/>
-              <a:t>いいいい</a:t>
+              <a:rPr lang="ja-JP" altLang="en-US"/>
+              <a:t>いいああいい</a:t>
             </a:r>
             <a:endParaRPr kumimoji="1" lang="ja-JP" altLang="en-US" dirty="0"/>
           </a:p>

--- a/2024answer/answer.pptx
+++ b/2024answer/answer.pptx
@@ -275,7 +275,7 @@
           <a:p>
             <a:fld id="{2395C5C9-164C-46B3-A87E-7660D39D3106}" type="datetime2">
               <a:rPr lang="en-US" smtClean="0"/>
-              <a:t>Monday, July 29, 2024</a:t>
+              <a:t>Tuesday, July 30, 2024</a:t>
             </a:fld>
             <a:endParaRPr lang="en-US" dirty="0"/>
           </a:p>
@@ -478,7 +478,7 @@
           <a:p>
             <a:fld id="{5B75179A-1E2B-41AB-B400-4F1B4022FAEE}" type="datetime2">
               <a:rPr lang="en-US" smtClean="0"/>
-              <a:t>Monday, July 29, 2024</a:t>
+              <a:t>Tuesday, July 30, 2024</a:t>
             </a:fld>
             <a:endParaRPr lang="en-US"/>
           </a:p>
@@ -691,7 +691,7 @@
           <a:p>
             <a:fld id="{05681D0F-6595-4F14-8EF3-954CD87C797B}" type="datetime2">
               <a:rPr lang="en-US" smtClean="0"/>
-              <a:t>Monday, July 29, 2024</a:t>
+              <a:t>Tuesday, July 30, 2024</a:t>
             </a:fld>
             <a:endParaRPr lang="en-US"/>
           </a:p>
@@ -893,7 +893,7 @@
           <a:p>
             <a:fld id="{4DDCFF8A-AAF8-4A12-8A91-9CA0EAF6CBB9}" type="datetime2">
               <a:rPr lang="en-US" smtClean="0"/>
-              <a:t>Monday, July 29, 2024</a:t>
+              <a:t>Tuesday, July 30, 2024</a:t>
             </a:fld>
             <a:endParaRPr lang="en-US" dirty="0"/>
           </a:p>
@@ -1172,7 +1172,7 @@
           <a:p>
             <a:fld id="{ABCC25C3-021A-4B0B-8F70-0C181FE1CF45}" type="datetime2">
               <a:rPr lang="en-US" smtClean="0"/>
-              <a:t>Monday, July 29, 2024</a:t>
+              <a:t>Tuesday, July 30, 2024</a:t>
             </a:fld>
             <a:endParaRPr lang="en-US"/>
           </a:p>
@@ -1432,7 +1432,7 @@
           <a:p>
             <a:fld id="{0C23D88D-8CEC-4ED9-A53B-5596187D9A16}" type="datetime2">
               <a:rPr lang="en-US" smtClean="0"/>
-              <a:t>Monday, July 29, 2024</a:t>
+              <a:t>Tuesday, July 30, 2024</a:t>
             </a:fld>
             <a:endParaRPr lang="en-US"/>
           </a:p>
@@ -1848,7 +1848,7 @@
           <a:p>
             <a:fld id="{D2CCD382-DFDA-4722-A27A-59C21AD112F2}" type="datetime2">
               <a:rPr lang="en-US" smtClean="0"/>
-              <a:t>Monday, July 29, 2024</a:t>
+              <a:t>Tuesday, July 30, 2024</a:t>
             </a:fld>
             <a:endParaRPr lang="en-US"/>
           </a:p>
@@ -1993,7 +1993,7 @@
           <a:p>
             <a:fld id="{22F2A30D-1C09-413F-AAB1-38F366000715}" type="datetime2">
               <a:rPr lang="en-US" smtClean="0"/>
-              <a:t>Monday, July 29, 2024</a:t>
+              <a:t>Tuesday, July 30, 2024</a:t>
             </a:fld>
             <a:endParaRPr lang="en-US"/>
           </a:p>
@@ -2115,7 +2115,7 @@
           <a:p>
             <a:fld id="{6DB82B9C-D65E-4F64-95C3-B10F3B00F0D9}" type="datetime2">
               <a:rPr lang="en-US" smtClean="0"/>
-              <a:t>Monday, July 29, 2024</a:t>
+              <a:t>Tuesday, July 30, 2024</a:t>
             </a:fld>
             <a:endParaRPr lang="en-US"/>
           </a:p>
@@ -2438,7 +2438,7 @@
           <a:p>
             <a:fld id="{B7F5FDCC-6AAC-4A08-B9E0-3793AB5E64C3}" type="datetime2">
               <a:rPr lang="en-US" smtClean="0"/>
-              <a:t>Monday, July 29, 2024</a:t>
+              <a:t>Tuesday, July 30, 2024</a:t>
             </a:fld>
             <a:endParaRPr lang="en-US"/>
           </a:p>
@@ -2726,7 +2726,7 @@
           <a:p>
             <a:fld id="{349FE94D-439C-40F1-900E-BC07940E3988}" type="datetime2">
               <a:rPr lang="en-US" smtClean="0"/>
-              <a:t>Monday, July 29, 2024</a:t>
+              <a:t>Tuesday, July 30, 2024</a:t>
             </a:fld>
             <a:endParaRPr lang="en-US"/>
           </a:p>
@@ -3010,7 +3010,7 @@
           <a:p>
             <a:fld id="{8DEA2CF1-0EB2-4673-802D-3371233E4A77}" type="datetime2">
               <a:rPr lang="en-US" smtClean="0"/>
-              <a:t>Monday, July 29, 2024</a:t>
+              <a:t>Tuesday, July 30, 2024</a:t>
             </a:fld>
             <a:endParaRPr lang="en-US" dirty="0"/>
           </a:p>
@@ -3621,7 +3621,15 @@
           <a:p>
             <a:r>
               <a:rPr lang="ja-JP" altLang="en-US" dirty="0"/>
-              <a:t>いいいい</a:t>
+              <a:t>いい</a:t>
+            </a:r>
+            <a:r>
+              <a:rPr lang="en-US" altLang="ja-JP"/>
+              <a:t>bb</a:t>
+            </a:r>
+            <a:r>
+              <a:rPr lang="ja-JP" altLang="en-US"/>
+              <a:t>いい</a:t>
             </a:r>
             <a:endParaRPr kumimoji="1" lang="ja-JP" altLang="en-US" dirty="0"/>
           </a:p>

--- a/2024answer/answer.pptx
+++ b/2024answer/answer.pptx
@@ -275,7 +275,7 @@
           <a:p>
             <a:fld id="{2395C5C9-164C-46B3-A87E-7660D39D3106}" type="datetime2">
               <a:rPr lang="en-US" smtClean="0"/>
-              <a:t>Monday, July 29, 2024</a:t>
+              <a:t>Tuesday, July 30, 2024</a:t>
             </a:fld>
             <a:endParaRPr lang="en-US" dirty="0"/>
           </a:p>
@@ -478,7 +478,7 @@
           <a:p>
             <a:fld id="{5B75179A-1E2B-41AB-B400-4F1B4022FAEE}" type="datetime2">
               <a:rPr lang="en-US" smtClean="0"/>
-              <a:t>Monday, July 29, 2024</a:t>
+              <a:t>Tuesday, July 30, 2024</a:t>
             </a:fld>
             <a:endParaRPr lang="en-US"/>
           </a:p>
@@ -691,7 +691,7 @@
           <a:p>
             <a:fld id="{05681D0F-6595-4F14-8EF3-954CD87C797B}" type="datetime2">
               <a:rPr lang="en-US" smtClean="0"/>
-              <a:t>Monday, July 29, 2024</a:t>
+              <a:t>Tuesday, July 30, 2024</a:t>
             </a:fld>
             <a:endParaRPr lang="en-US"/>
           </a:p>
@@ -893,7 +893,7 @@
           <a:p>
             <a:fld id="{4DDCFF8A-AAF8-4A12-8A91-9CA0EAF6CBB9}" type="datetime2">
               <a:rPr lang="en-US" smtClean="0"/>
-              <a:t>Monday, July 29, 2024</a:t>
+              <a:t>Tuesday, July 30, 2024</a:t>
             </a:fld>
             <a:endParaRPr lang="en-US" dirty="0"/>
           </a:p>
@@ -1172,7 +1172,7 @@
           <a:p>
             <a:fld id="{ABCC25C3-021A-4B0B-8F70-0C181FE1CF45}" type="datetime2">
               <a:rPr lang="en-US" smtClean="0"/>
-              <a:t>Monday, July 29, 2024</a:t>
+              <a:t>Tuesday, July 30, 2024</a:t>
             </a:fld>
             <a:endParaRPr lang="en-US"/>
           </a:p>
@@ -1432,7 +1432,7 @@
           <a:p>
             <a:fld id="{0C23D88D-8CEC-4ED9-A53B-5596187D9A16}" type="datetime2">
               <a:rPr lang="en-US" smtClean="0"/>
-              <a:t>Monday, July 29, 2024</a:t>
+              <a:t>Tuesday, July 30, 2024</a:t>
             </a:fld>
             <a:endParaRPr lang="en-US"/>
           </a:p>
@@ -1848,7 +1848,7 @@
           <a:p>
             <a:fld id="{D2CCD382-DFDA-4722-A27A-59C21AD112F2}" type="datetime2">
               <a:rPr lang="en-US" smtClean="0"/>
-              <a:t>Monday, July 29, 2024</a:t>
+              <a:t>Tuesday, July 30, 2024</a:t>
             </a:fld>
             <a:endParaRPr lang="en-US"/>
           </a:p>
@@ -1993,7 +1993,7 @@
           <a:p>
             <a:fld id="{22F2A30D-1C09-413F-AAB1-38F366000715}" type="datetime2">
               <a:rPr lang="en-US" smtClean="0"/>
-              <a:t>Monday, July 29, 2024</a:t>
+              <a:t>Tuesday, July 30, 2024</a:t>
             </a:fld>
             <a:endParaRPr lang="en-US"/>
           </a:p>
@@ -2115,7 +2115,7 @@
           <a:p>
             <a:fld id="{6DB82B9C-D65E-4F64-95C3-B10F3B00F0D9}" type="datetime2">
               <a:rPr lang="en-US" smtClean="0"/>
-              <a:t>Monday, July 29, 2024</a:t>
+              <a:t>Tuesday, July 30, 2024</a:t>
             </a:fld>
             <a:endParaRPr lang="en-US"/>
           </a:p>
@@ -2438,7 +2438,7 @@
           <a:p>
             <a:fld id="{B7F5FDCC-6AAC-4A08-B9E0-3793AB5E64C3}" type="datetime2">
               <a:rPr lang="en-US" smtClean="0"/>
-              <a:t>Monday, July 29, 2024</a:t>
+              <a:t>Tuesday, July 30, 2024</a:t>
             </a:fld>
             <a:endParaRPr lang="en-US"/>
           </a:p>
@@ -2726,7 +2726,7 @@
           <a:p>
             <a:fld id="{349FE94D-439C-40F1-900E-BC07940E3988}" type="datetime2">
               <a:rPr lang="en-US" smtClean="0"/>
-              <a:t>Monday, July 29, 2024</a:t>
+              <a:t>Tuesday, July 30, 2024</a:t>
             </a:fld>
             <a:endParaRPr lang="en-US"/>
           </a:p>
@@ -3010,7 +3010,7 @@
           <a:p>
             <a:fld id="{8DEA2CF1-0EB2-4673-802D-3371233E4A77}" type="datetime2">
               <a:rPr lang="en-US" smtClean="0"/>
-              <a:t>Monday, July 29, 2024</a:t>
+              <a:t>Tuesday, July 30, 2024</a:t>
             </a:fld>
             <a:endParaRPr lang="en-US" dirty="0"/>
           </a:p>
@@ -3621,7 +3621,19 @@
           <a:p>
             <a:r>
               <a:rPr lang="ja-JP" altLang="en-US" dirty="0"/>
-              <a:t>いいいい</a:t>
+              <a:t>い</a:t>
+            </a:r>
+            <a:r>
+              <a:rPr lang="en-US" altLang="ja-JP"/>
+              <a:t>ee</a:t>
+            </a:r>
+            <a:r>
+              <a:rPr lang="ja-JP" altLang="en-US"/>
+              <a:t>い</a:t>
+            </a:r>
+            <a:r>
+              <a:rPr lang="ja-JP" altLang="en-US" dirty="0"/>
+              <a:t>いい</a:t>
             </a:r>
             <a:endParaRPr kumimoji="1" lang="ja-JP" altLang="en-US" dirty="0"/>
           </a:p>

--- a/2024answer/answer.pptx
+++ b/2024answer/answer.pptx
@@ -275,7 +275,7 @@
           <a:p>
             <a:fld id="{2395C5C9-164C-46B3-A87E-7660D39D3106}" type="datetime2">
               <a:rPr lang="en-US" smtClean="0"/>
-              <a:t>Monday, July 29, 2024</a:t>
+              <a:t>Tuesday, July 30, 2024</a:t>
             </a:fld>
             <a:endParaRPr lang="en-US" dirty="0"/>
           </a:p>
@@ -478,7 +478,7 @@
           <a:p>
             <a:fld id="{5B75179A-1E2B-41AB-B400-4F1B4022FAEE}" type="datetime2">
               <a:rPr lang="en-US" smtClean="0"/>
-              <a:t>Monday, July 29, 2024</a:t>
+              <a:t>Tuesday, July 30, 2024</a:t>
             </a:fld>
             <a:endParaRPr lang="en-US"/>
           </a:p>
@@ -691,7 +691,7 @@
           <a:p>
             <a:fld id="{05681D0F-6595-4F14-8EF3-954CD87C797B}" type="datetime2">
               <a:rPr lang="en-US" smtClean="0"/>
-              <a:t>Monday, July 29, 2024</a:t>
+              <a:t>Tuesday, July 30, 2024</a:t>
             </a:fld>
             <a:endParaRPr lang="en-US"/>
           </a:p>
@@ -893,7 +893,7 @@
           <a:p>
             <a:fld id="{4DDCFF8A-AAF8-4A12-8A91-9CA0EAF6CBB9}" type="datetime2">
               <a:rPr lang="en-US" smtClean="0"/>
-              <a:t>Monday, July 29, 2024</a:t>
+              <a:t>Tuesday, July 30, 2024</a:t>
             </a:fld>
             <a:endParaRPr lang="en-US" dirty="0"/>
           </a:p>
@@ -1172,7 +1172,7 @@
           <a:p>
             <a:fld id="{ABCC25C3-021A-4B0B-8F70-0C181FE1CF45}" type="datetime2">
               <a:rPr lang="en-US" smtClean="0"/>
-              <a:t>Monday, July 29, 2024</a:t>
+              <a:t>Tuesday, July 30, 2024</a:t>
             </a:fld>
             <a:endParaRPr lang="en-US"/>
           </a:p>
@@ -1432,7 +1432,7 @@
           <a:p>
             <a:fld id="{0C23D88D-8CEC-4ED9-A53B-5596187D9A16}" type="datetime2">
               <a:rPr lang="en-US" smtClean="0"/>
-              <a:t>Monday, July 29, 2024</a:t>
+              <a:t>Tuesday, July 30, 2024</a:t>
             </a:fld>
             <a:endParaRPr lang="en-US"/>
           </a:p>
@@ -1848,7 +1848,7 @@
           <a:p>
             <a:fld id="{D2CCD382-DFDA-4722-A27A-59C21AD112F2}" type="datetime2">
               <a:rPr lang="en-US" smtClean="0"/>
-              <a:t>Monday, July 29, 2024</a:t>
+              <a:t>Tuesday, July 30, 2024</a:t>
             </a:fld>
             <a:endParaRPr lang="en-US"/>
           </a:p>
@@ -1993,7 +1993,7 @@
           <a:p>
             <a:fld id="{22F2A30D-1C09-413F-AAB1-38F366000715}" type="datetime2">
               <a:rPr lang="en-US" smtClean="0"/>
-              <a:t>Monday, July 29, 2024</a:t>
+              <a:t>Tuesday, July 30, 2024</a:t>
             </a:fld>
             <a:endParaRPr lang="en-US"/>
           </a:p>
@@ -2115,7 +2115,7 @@
           <a:p>
             <a:fld id="{6DB82B9C-D65E-4F64-95C3-B10F3B00F0D9}" type="datetime2">
               <a:rPr lang="en-US" smtClean="0"/>
-              <a:t>Monday, July 29, 2024</a:t>
+              <a:t>Tuesday, July 30, 2024</a:t>
             </a:fld>
             <a:endParaRPr lang="en-US"/>
           </a:p>
@@ -2438,7 +2438,7 @@
           <a:p>
             <a:fld id="{B7F5FDCC-6AAC-4A08-B9E0-3793AB5E64C3}" type="datetime2">
               <a:rPr lang="en-US" smtClean="0"/>
-              <a:t>Monday, July 29, 2024</a:t>
+              <a:t>Tuesday, July 30, 2024</a:t>
             </a:fld>
             <a:endParaRPr lang="en-US"/>
           </a:p>
@@ -2726,7 +2726,7 @@
           <a:p>
             <a:fld id="{349FE94D-439C-40F1-900E-BC07940E3988}" type="datetime2">
               <a:rPr lang="en-US" smtClean="0"/>
-              <a:t>Monday, July 29, 2024</a:t>
+              <a:t>Tuesday, July 30, 2024</a:t>
             </a:fld>
             <a:endParaRPr lang="en-US"/>
           </a:p>
@@ -3010,7 +3010,7 @@
           <a:p>
             <a:fld id="{8DEA2CF1-0EB2-4673-802D-3371233E4A77}" type="datetime2">
               <a:rPr lang="en-US" smtClean="0"/>
-              <a:t>Monday, July 29, 2024</a:t>
+              <a:t>Tuesday, July 30, 2024</a:t>
             </a:fld>
             <a:endParaRPr lang="en-US" dirty="0"/>
           </a:p>
@@ -3621,7 +3621,15 @@
           <a:p>
             <a:r>
               <a:rPr lang="ja-JP" altLang="en-US" dirty="0"/>
-              <a:t>いいいい</a:t>
+              <a:t>いい</a:t>
+            </a:r>
+            <a:r>
+              <a:rPr lang="en-US" altLang="ja-JP"/>
+              <a:t>ss</a:t>
+            </a:r>
+            <a:r>
+              <a:rPr lang="ja-JP" altLang="en-US"/>
+              <a:t>いい</a:t>
             </a:r>
             <a:endParaRPr kumimoji="1" lang="ja-JP" altLang="en-US" dirty="0"/>
           </a:p>

--- a/2024answer/answer.pptx
+++ b/2024answer/answer.pptx
@@ -275,7 +275,7 @@
           <a:p>
             <a:fld id="{2395C5C9-164C-46B3-A87E-7660D39D3106}" type="datetime2">
               <a:rPr lang="en-US" smtClean="0"/>
-              <a:t>Monday, July 29, 2024</a:t>
+              <a:t>Tuesday, July 30, 2024</a:t>
             </a:fld>
             <a:endParaRPr lang="en-US" dirty="0"/>
           </a:p>
@@ -478,7 +478,7 @@
           <a:p>
             <a:fld id="{5B75179A-1E2B-41AB-B400-4F1B4022FAEE}" type="datetime2">
               <a:rPr lang="en-US" smtClean="0"/>
-              <a:t>Monday, July 29, 2024</a:t>
+              <a:t>Tuesday, July 30, 2024</a:t>
             </a:fld>
             <a:endParaRPr lang="en-US"/>
           </a:p>
@@ -691,7 +691,7 @@
           <a:p>
             <a:fld id="{05681D0F-6595-4F14-8EF3-954CD87C797B}" type="datetime2">
               <a:rPr lang="en-US" smtClean="0"/>
-              <a:t>Monday, July 29, 2024</a:t>
+              <a:t>Tuesday, July 30, 2024</a:t>
             </a:fld>
             <a:endParaRPr lang="en-US"/>
           </a:p>
@@ -893,7 +893,7 @@
           <a:p>
             <a:fld id="{4DDCFF8A-AAF8-4A12-8A91-9CA0EAF6CBB9}" type="datetime2">
               <a:rPr lang="en-US" smtClean="0"/>
-              <a:t>Monday, July 29, 2024</a:t>
+              <a:t>Tuesday, July 30, 2024</a:t>
             </a:fld>
             <a:endParaRPr lang="en-US" dirty="0"/>
           </a:p>
@@ -1172,7 +1172,7 @@
           <a:p>
             <a:fld id="{ABCC25C3-021A-4B0B-8F70-0C181FE1CF45}" type="datetime2">
               <a:rPr lang="en-US" smtClean="0"/>
-              <a:t>Monday, July 29, 2024</a:t>
+              <a:t>Tuesday, July 30, 2024</a:t>
             </a:fld>
             <a:endParaRPr lang="en-US"/>
           </a:p>
@@ -1432,7 +1432,7 @@
           <a:p>
             <a:fld id="{0C23D88D-8CEC-4ED9-A53B-5596187D9A16}" type="datetime2">
               <a:rPr lang="en-US" smtClean="0"/>
-              <a:t>Monday, July 29, 2024</a:t>
+              <a:t>Tuesday, July 30, 2024</a:t>
             </a:fld>
             <a:endParaRPr lang="en-US"/>
           </a:p>
@@ -1848,7 +1848,7 @@
           <a:p>
             <a:fld id="{D2CCD382-DFDA-4722-A27A-59C21AD112F2}" type="datetime2">
               <a:rPr lang="en-US" smtClean="0"/>
-              <a:t>Monday, July 29, 2024</a:t>
+              <a:t>Tuesday, July 30, 2024</a:t>
             </a:fld>
             <a:endParaRPr lang="en-US"/>
           </a:p>
@@ -1993,7 +1993,7 @@
           <a:p>
             <a:fld id="{22F2A30D-1C09-413F-AAB1-38F366000715}" type="datetime2">
               <a:rPr lang="en-US" smtClean="0"/>
-              <a:t>Monday, July 29, 2024</a:t>
+              <a:t>Tuesday, July 30, 2024</a:t>
             </a:fld>
             <a:endParaRPr lang="en-US"/>
           </a:p>
@@ -2115,7 +2115,7 @@
           <a:p>
             <a:fld id="{6DB82B9C-D65E-4F64-95C3-B10F3B00F0D9}" type="datetime2">
               <a:rPr lang="en-US" smtClean="0"/>
-              <a:t>Monday, July 29, 2024</a:t>
+              <a:t>Tuesday, July 30, 2024</a:t>
             </a:fld>
             <a:endParaRPr lang="en-US"/>
           </a:p>
@@ -2438,7 +2438,7 @@
           <a:p>
             <a:fld id="{B7F5FDCC-6AAC-4A08-B9E0-3793AB5E64C3}" type="datetime2">
               <a:rPr lang="en-US" smtClean="0"/>
-              <a:t>Monday, July 29, 2024</a:t>
+              <a:t>Tuesday, July 30, 2024</a:t>
             </a:fld>
             <a:endParaRPr lang="en-US"/>
           </a:p>
@@ -2726,7 +2726,7 @@
           <a:p>
             <a:fld id="{349FE94D-439C-40F1-900E-BC07940E3988}" type="datetime2">
               <a:rPr lang="en-US" smtClean="0"/>
-              <a:t>Monday, July 29, 2024</a:t>
+              <a:t>Tuesday, July 30, 2024</a:t>
             </a:fld>
             <a:endParaRPr lang="en-US"/>
           </a:p>
@@ -3010,7 +3010,7 @@
           <a:p>
             <a:fld id="{8DEA2CF1-0EB2-4673-802D-3371233E4A77}" type="datetime2">
               <a:rPr lang="en-US" smtClean="0"/>
-              <a:t>Monday, July 29, 2024</a:t>
+              <a:t>Tuesday, July 30, 2024</a:t>
             </a:fld>
             <a:endParaRPr lang="en-US" dirty="0"/>
           </a:p>
@@ -3621,7 +3621,7 @@
           <a:p>
             <a:r>
               <a:rPr lang="ja-JP" altLang="en-US" dirty="0"/>
-              <a:t>いいいい</a:t>
+              <a:t>いいいいいい</a:t>
             </a:r>
             <a:endParaRPr kumimoji="1" lang="ja-JP" altLang="en-US" dirty="0"/>
           </a:p>
@@ -3651,24 +3651,13 @@
         </p:spPr>
         <p:txBody>
           <a:bodyPr>
-            <a:normAutofit lnSpcReduction="10000"/>
+            <a:normAutofit/>
           </a:bodyPr>
           <a:lstStyle/>
           <a:p>
             <a:r>
-              <a:rPr kumimoji="1" lang="ja-JP" altLang="en-US" sz="2600" dirty="0"/>
-              <a:t>Ｊ </a:t>
-            </a:r>
-            <a:r>
-              <a:rPr kumimoji="1" lang="en-US" altLang="ja-JP" sz="2600" dirty="0" err="1"/>
-              <a:t>haiervu</a:t>
-            </a:r>
-            <a:endParaRPr kumimoji="1" lang="en-US" altLang="ja-JP" sz="2600"/>
-          </a:p>
-          <a:p>
-            <a:r>
               <a:rPr kumimoji="1" lang="ja-JP" altLang="en-US" sz="2600"/>
-              <a:t>ｊｊｊ</a:t>
+              <a:t>いいいいいいい</a:t>
             </a:r>
             <a:endParaRPr kumimoji="1" lang="ja-JP" altLang="en-US" sz="2600" dirty="0"/>
           </a:p>
@@ -5116,52 +5105,6 @@
                                           <p:spTgt spid="3">
                                             <p:txEl>
                                               <p:pRg st="0" end="0"/>
-                                            </p:txEl>
-                                          </p:spTgt>
-                                        </p:tgtEl>
-                                      </p:cBhvr>
-                                    </p:animEffect>
-                                  </p:childTnLst>
-                                </p:cTn>
-                              </p:par>
-                              <p:par>
-                                <p:cTn id="11" presetID="10" presetClass="entr" presetSubtype="0" fill="hold" grpId="0" nodeType="withEffect">
-                                  <p:stCondLst>
-                                    <p:cond delay="2000"/>
-                                  </p:stCondLst>
-                                  <p:iterate type="lt">
-                                    <p:tmPct val="10000"/>
-                                  </p:iterate>
-                                  <p:childTnLst>
-                                    <p:set>
-                                      <p:cBhvr>
-                                        <p:cTn id="12" dur="1" fill="hold">
-                                          <p:stCondLst>
-                                            <p:cond delay="0"/>
-                                          </p:stCondLst>
-                                        </p:cTn>
-                                        <p:tgtEl>
-                                          <p:spTgt spid="3">
-                                            <p:txEl>
-                                              <p:pRg st="1" end="1"/>
-                                            </p:txEl>
-                                          </p:spTgt>
-                                        </p:tgtEl>
-                                        <p:attrNameLst>
-                                          <p:attrName>style.visibility</p:attrName>
-                                        </p:attrNameLst>
-                                      </p:cBhvr>
-                                      <p:to>
-                                        <p:strVal val="visible"/>
-                                      </p:to>
-                                    </p:set>
-                                    <p:animEffect transition="in" filter="fade">
-                                      <p:cBhvr>
-                                        <p:cTn id="13" dur="400"/>
-                                        <p:tgtEl>
-                                          <p:spTgt spid="3">
-                                            <p:txEl>
-                                              <p:pRg st="1" end="1"/>
                                             </p:txEl>
                                           </p:spTgt>
                                         </p:tgtEl>

--- a/2024answer/answer.pptx
+++ b/2024answer/answer.pptx
@@ -3620,8 +3620,16 @@
           <a:lstStyle/>
           <a:p>
             <a:r>
+              <a:rPr lang="en-US" altLang="ja-JP"/>
+              <a:t>iiiii</a:t>
+            </a:r>
+            <a:r>
+              <a:rPr lang="ja-JP" altLang="en-US"/>
+              <a:t>いい</a:t>
+            </a:r>
+            <a:r>
               <a:rPr lang="ja-JP" altLang="en-US" dirty="0"/>
-              <a:t>いいいいいい</a:t>
+              <a:t>いいいい</a:t>
             </a:r>
             <a:endParaRPr kumimoji="1" lang="ja-JP" altLang="en-US" dirty="0"/>
           </a:p>

--- a/2024answer/answer.pptx
+++ b/2024answer/answer.pptx
@@ -3621,15 +3621,11 @@
           <a:p>
             <a:r>
               <a:rPr lang="en-US" altLang="ja-JP"/>
-              <a:t>iiiii</a:t>
-            </a:r>
-            <a:r>
-              <a:rPr lang="ja-JP" altLang="en-US"/>
-              <a:t>いい</a:t>
+              <a:t>iii</a:t>
             </a:r>
             <a:r>
               <a:rPr lang="ja-JP" altLang="en-US" dirty="0"/>
-              <a:t>いいいい</a:t>
+              <a:t>いいいいいい</a:t>
             </a:r>
             <a:endParaRPr kumimoji="1" lang="ja-JP" altLang="en-US" dirty="0"/>
           </a:p>

--- a/2024answer/answer.pptx
+++ b/2024answer/answer.pptx
@@ -3621,15 +3621,11 @@
           <a:p>
             <a:r>
               <a:rPr lang="en-US" altLang="ja-JP"/>
-              <a:t>iiiii</a:t>
-            </a:r>
-            <a:r>
-              <a:rPr lang="ja-JP" altLang="en-US"/>
-              <a:t>いい</a:t>
+              <a:t>ii</a:t>
             </a:r>
             <a:r>
               <a:rPr lang="ja-JP" altLang="en-US" dirty="0"/>
-              <a:t>いいいい</a:t>
+              <a:t>いいいいいい</a:t>
             </a:r>
             <a:endParaRPr kumimoji="1" lang="ja-JP" altLang="en-US" dirty="0"/>
           </a:p>

--- a/2024answer/answer.pptx
+++ b/2024answer/answer.pptx
@@ -3620,12 +3620,12 @@
           <a:lstStyle/>
           <a:p>
             <a:r>
-              <a:rPr lang="en-US" altLang="ja-JP"/>
-              <a:t>iii</a:t>
+              <a:rPr lang="ja-JP" altLang="en-US"/>
+              <a:t>いい</a:t>
             </a:r>
             <a:r>
               <a:rPr lang="ja-JP" altLang="en-US" dirty="0"/>
-              <a:t>いいいいいい</a:t>
+              <a:t>いいいい</a:t>
             </a:r>
             <a:endParaRPr kumimoji="1" lang="ja-JP" altLang="en-US" dirty="0"/>
           </a:p>

--- a/2024answer/answer.pptx
+++ b/2024answer/answer.pptx
@@ -3619,10 +3619,6 @@
           </a:bodyPr>
           <a:lstStyle/>
           <a:p>
-            <a:r>
-              <a:rPr lang="ja-JP" altLang="en-US"/>
-              <a:t>いい</a:t>
-            </a:r>
             <a:r>
               <a:rPr lang="ja-JP" altLang="en-US" dirty="0"/>
               <a:t>いいいい</a:t>

--- a/2024answer/answer.pptx
+++ b/2024answer/answer.pptx
@@ -3621,7 +3621,19 @@
           <a:p>
             <a:r>
               <a:rPr lang="ja-JP" altLang="en-US" dirty="0"/>
-              <a:t>いいいい</a:t>
+              <a:t>い</a:t>
+            </a:r>
+            <a:r>
+              <a:rPr lang="en-US" altLang="ja-JP"/>
+              <a:t>ll</a:t>
+            </a:r>
+            <a:r>
+              <a:rPr lang="ja-JP" altLang="en-US"/>
+              <a:t>い</a:t>
+            </a:r>
+            <a:r>
+              <a:rPr lang="ja-JP" altLang="en-US" dirty="0"/>
+              <a:t>いい</a:t>
             </a:r>
             <a:endParaRPr kumimoji="1" lang="ja-JP" altLang="en-US" dirty="0"/>
           </a:p>

--- a/2024answer/answer.pptx
+++ b/2024answer/answer.pptx
@@ -3620,20 +3620,16 @@
           <a:lstStyle/>
           <a:p>
             <a:r>
-              <a:rPr lang="ja-JP" altLang="en-US" dirty="0"/>
-              <a:t>い</a:t>
+              <a:rPr lang="ja-JP" altLang="en-US"/>
+              <a:t>いｋｋｋｋ</a:t>
             </a:r>
             <a:r>
               <a:rPr lang="en-US" altLang="ja-JP"/>
               <a:t>ll</a:t>
             </a:r>
             <a:r>
-              <a:rPr lang="ja-JP" altLang="en-US"/>
-              <a:t>い</a:t>
-            </a:r>
-            <a:r>
               <a:rPr lang="ja-JP" altLang="en-US" dirty="0"/>
-              <a:t>いい</a:t>
+              <a:t>いいい</a:t>
             </a:r>
             <a:endParaRPr kumimoji="1" lang="ja-JP" altLang="en-US" dirty="0"/>
           </a:p>

--- a/2024answer/answer.pptx
+++ b/2024answer/answer.pptx
@@ -6,21 +6,22 @@
   </p:sldMasterIdLst>
   <p:sldIdLst>
     <p:sldId id="256" r:id="rId2"/>
+    <p:sldId id="257" r:id="rId3"/>
   </p:sldIdLst>
   <p:sldSz cx="12192000" cy="6858000"/>
   <p:notesSz cx="6858000" cy="9144000"/>
   <p:embeddedFontLst>
     <p:embeddedFont>
       <p:font typeface="Yu Gothic Medium" panose="020B0500000000000000" pitchFamily="50" charset="-128"/>
-      <p:regular r:id="rId3"/>
+      <p:regular r:id="rId4"/>
     </p:embeddedFont>
     <p:embeddedFont>
       <p:font typeface="Yu Mincho Demibold" panose="02020600000000000000" pitchFamily="18" charset="-128"/>
-      <p:bold r:id="rId4"/>
+      <p:bold r:id="rId5"/>
     </p:embeddedFont>
     <p:embeddedFont>
       <p:font typeface="The Hand Extrablack" panose="03070A02030502020204" pitchFamily="66" charset="0"/>
-      <p:bold r:id="rId5"/>
+      <p:bold r:id="rId6"/>
     </p:embeddedFont>
   </p:embeddedFontLst>
   <p:defaultTextStyle>
@@ -3621,19 +3622,7 @@
           <a:p>
             <a:r>
               <a:rPr lang="ja-JP" altLang="en-US" dirty="0"/>
-              <a:t>い</a:t>
-            </a:r>
-            <a:r>
-              <a:rPr lang="en-US" altLang="ja-JP"/>
-              <a:t>ll</a:t>
-            </a:r>
-            <a:r>
-              <a:rPr lang="ja-JP" altLang="en-US"/>
-              <a:t>い</a:t>
-            </a:r>
-            <a:r>
-              <a:rPr lang="ja-JP" altLang="en-US" dirty="0"/>
-              <a:t>いい</a:t>
+              <a:t>いいいいい</a:t>
             </a:r>
             <a:endParaRPr kumimoji="1" lang="ja-JP" altLang="en-US" dirty="0"/>
           </a:p>
@@ -3668,10 +3657,9 @@
           <a:lstStyle/>
           <a:p>
             <a:r>
-              <a:rPr kumimoji="1" lang="ja-JP" altLang="en-US" sz="2600"/>
-              <a:t>いいいいいいい</a:t>
-            </a:r>
-            <a:endParaRPr kumimoji="1" lang="ja-JP" altLang="en-US" sz="2600" dirty="0"/>
+              <a:rPr kumimoji="1" lang="ja-JP" altLang="en-US" sz="2600" dirty="0"/>
+              <a:t>いいいい</a:t>
+            </a:r>
           </a:p>
         </p:txBody>
       </p:sp>
@@ -5157,6 +5145,89 @@
       <p:bldP spid="3" grpId="0" build="p"/>
     </p:bldLst>
   </p:timing>
+</p:sld>
+</file>
+
+<file path=ppt/slides/slide2.xml><?xml version="1.0" encoding="utf-8"?>
+<p:sld xmlns:a="http://schemas.openxmlformats.org/drawingml/2006/main" xmlns:r="http://schemas.openxmlformats.org/officeDocument/2006/relationships" xmlns:p="http://schemas.openxmlformats.org/presentationml/2006/main">
+  <p:cSld>
+    <p:spTree>
+      <p:nvGrpSpPr>
+        <p:cNvPr id="1" name=""/>
+        <p:cNvGrpSpPr/>
+        <p:nvPr/>
+      </p:nvGrpSpPr>
+      <p:grpSpPr>
+        <a:xfrm>
+          <a:off x="0" y="0"/>
+          <a:ext cx="0" cy="0"/>
+          <a:chOff x="0" y="0"/>
+          <a:chExt cx="0" cy="0"/>
+        </a:xfrm>
+      </p:grpSpPr>
+      <p:sp>
+        <p:nvSpPr>
+          <p:cNvPr id="2" name="タイトル 1">
+            <a:extLst>
+              <a:ext uri="{FF2B5EF4-FFF2-40B4-BE49-F238E27FC236}">
+                <a16:creationId xmlns:a16="http://schemas.microsoft.com/office/drawing/2014/main" id="{8E126A3F-83FF-227D-0668-4881E01611A2}"/>
+              </a:ext>
+            </a:extLst>
+          </p:cNvPr>
+          <p:cNvSpPr>
+            <a:spLocks noGrp="1"/>
+          </p:cNvSpPr>
+          <p:nvPr>
+            <p:ph type="title"/>
+          </p:nvPr>
+        </p:nvSpPr>
+        <p:spPr/>
+        <p:txBody>
+          <a:bodyPr/>
+          <a:lstStyle/>
+          <a:p>
+            <a:r>
+              <a:rPr kumimoji="1" lang="ja-JP" altLang="en-US"/>
+              <a:t>いいい</a:t>
+            </a:r>
+          </a:p>
+        </p:txBody>
+      </p:sp>
+      <p:sp>
+        <p:nvSpPr>
+          <p:cNvPr id="3" name="コンテンツ プレースホルダー 2">
+            <a:extLst>
+              <a:ext uri="{FF2B5EF4-FFF2-40B4-BE49-F238E27FC236}">
+                <a16:creationId xmlns:a16="http://schemas.microsoft.com/office/drawing/2014/main" id="{80FAA108-4500-ED9A-A281-C8B86D52AD3A}"/>
+              </a:ext>
+            </a:extLst>
+          </p:cNvPr>
+          <p:cNvSpPr>
+            <a:spLocks noGrp="1"/>
+          </p:cNvSpPr>
+          <p:nvPr>
+            <p:ph idx="1"/>
+          </p:nvPr>
+        </p:nvSpPr>
+        <p:spPr/>
+        <p:txBody>
+          <a:bodyPr/>
+          <a:lstStyle/>
+          <a:p>
+            <a:endParaRPr kumimoji="1" lang="ja-JP" altLang="en-US"/>
+          </a:p>
+        </p:txBody>
+      </p:sp>
+    </p:spTree>
+    <p:extLst>
+      <p:ext uri="{BB962C8B-B14F-4D97-AF65-F5344CB8AC3E}">
+        <p14:creationId xmlns:p14="http://schemas.microsoft.com/office/powerpoint/2010/main" val="374102694"/>
+      </p:ext>
+    </p:extLst>
+  </p:cSld>
+  <p:clrMapOvr>
+    <a:masterClrMapping/>
+  </p:clrMapOvr>
 </p:sld>
 </file>
 
